--- a/5_dissertation/presentation/figures.pptx
+++ b/5_dissertation/presentation/figures.pptx
@@ -3415,6 +3415,58 @@
       </p:grpSpPr>
       <p:sp>
         <p:nvSpPr>
+          <p:cNvPr id="22" name="Rectangle 21">
+            <a:extLst>
+              <a:ext uri="{FF2B5EF4-FFF2-40B4-BE49-F238E27FC236}">
+                <a16:creationId xmlns:a16="http://schemas.microsoft.com/office/drawing/2014/main" id="{98E8B181-C9CD-B948-BE91-0D4C2E89B29B}"/>
+              </a:ext>
+            </a:extLst>
+          </p:cNvPr>
+          <p:cNvSpPr/>
+          <p:nvPr/>
+        </p:nvSpPr>
+        <p:spPr>
+          <a:xfrm>
+            <a:off x="1705515" y="1009246"/>
+            <a:ext cx="7686885" cy="4966445"/>
+          </a:xfrm>
+          <a:prstGeom prst="rect">
+            <a:avLst/>
+          </a:prstGeom>
+          <a:solidFill>
+            <a:schemeClr val="bg1"/>
+          </a:solidFill>
+          <a:ln>
+            <a:noFill/>
+          </a:ln>
+        </p:spPr>
+        <p:style>
+          <a:lnRef idx="2">
+            <a:schemeClr val="accent1">
+              <a:shade val="50000"/>
+            </a:schemeClr>
+          </a:lnRef>
+          <a:fillRef idx="1">
+            <a:schemeClr val="accent1"/>
+          </a:fillRef>
+          <a:effectRef idx="0">
+            <a:schemeClr val="accent1"/>
+          </a:effectRef>
+          <a:fontRef idx="minor">
+            <a:schemeClr val="lt1"/>
+          </a:fontRef>
+        </p:style>
+        <p:txBody>
+          <a:bodyPr rtlCol="0" anchor="ctr"/>
+          <a:lstStyle/>
+          <a:p>
+            <a:pPr algn="ctr"/>
+            <a:endParaRPr lang="en-US"/>
+          </a:p>
+        </p:txBody>
+      </p:sp>
+      <p:sp>
+        <p:nvSpPr>
           <p:cNvPr id="5" name="TextBox 4">
             <a:extLst>
               <a:ext uri="{FF2B5EF4-FFF2-40B4-BE49-F238E27FC236}">
@@ -3427,7 +3479,7 @@
         </p:nvSpPr>
         <p:spPr>
           <a:xfrm>
-            <a:off x="134167" y="2928038"/>
+            <a:off x="1705515" y="2954671"/>
             <a:ext cx="3256588" cy="1323439"/>
           </a:xfrm>
           <a:prstGeom prst="rect">
@@ -3479,7 +3531,7 @@
         </p:nvGrpSpPr>
         <p:grpSpPr>
           <a:xfrm>
-            <a:off x="3976451" y="1072258"/>
+            <a:off x="5547799" y="1098891"/>
             <a:ext cx="3907945" cy="4876800"/>
             <a:chOff x="5795468" y="941294"/>
             <a:chExt cx="3830300" cy="4876800"/>
@@ -4225,7 +4277,7 @@
         </p:nvSpPr>
         <p:spPr>
           <a:xfrm>
-            <a:off x="3273202" y="3221966"/>
+            <a:off x="4844550" y="3248599"/>
             <a:ext cx="365185" cy="414068"/>
           </a:xfrm>
           <a:prstGeom prst="rightArrow">
@@ -4263,779 +4315,6 @@
           </a:p>
         </p:txBody>
       </p:sp>
-      <p:grpSp>
-        <p:nvGrpSpPr>
-          <p:cNvPr id="21" name="Group 20">
-            <a:extLst>
-              <a:ext uri="{FF2B5EF4-FFF2-40B4-BE49-F238E27FC236}">
-                <a16:creationId xmlns:a16="http://schemas.microsoft.com/office/drawing/2014/main" id="{BB1AF79B-CBAB-52C3-8BC4-A555C6EA06AD}"/>
-              </a:ext>
-            </a:extLst>
-          </p:cNvPr>
-          <p:cNvGrpSpPr/>
-          <p:nvPr/>
-        </p:nvGrpSpPr>
-        <p:grpSpPr>
-          <a:xfrm>
-            <a:off x="8004833" y="773605"/>
-            <a:ext cx="3907945" cy="5175453"/>
-            <a:chOff x="2260676" y="1117537"/>
-            <a:chExt cx="3907945" cy="5175453"/>
-          </a:xfrm>
-        </p:grpSpPr>
-        <p:grpSp>
-          <p:nvGrpSpPr>
-            <p:cNvPr id="10" name="Group 9">
-              <a:extLst>
-                <a:ext uri="{FF2B5EF4-FFF2-40B4-BE49-F238E27FC236}">
-                  <a16:creationId xmlns:a16="http://schemas.microsoft.com/office/drawing/2014/main" id="{FFCD65A7-BD08-1FD4-E030-5D0C50A6F6C0}"/>
-                </a:ext>
-              </a:extLst>
-            </p:cNvPr>
-            <p:cNvGrpSpPr/>
-            <p:nvPr/>
-          </p:nvGrpSpPr>
-          <p:grpSpPr>
-            <a:xfrm>
-              <a:off x="2260676" y="1416190"/>
-              <a:ext cx="3907945" cy="4876800"/>
-              <a:chOff x="5795468" y="941294"/>
-              <a:chExt cx="3830300" cy="4876800"/>
-            </a:xfrm>
-          </p:grpSpPr>
-          <p:sp>
-            <p:nvSpPr>
-              <p:cNvPr id="11" name="Rounded Rectangle 10">
-                <a:extLst>
-                  <a:ext uri="{FF2B5EF4-FFF2-40B4-BE49-F238E27FC236}">
-                    <a16:creationId xmlns:a16="http://schemas.microsoft.com/office/drawing/2014/main" id="{E8B7AB27-36BD-380B-D6DA-9EE298A027D6}"/>
-                  </a:ext>
-                </a:extLst>
-              </p:cNvPr>
-              <p:cNvSpPr/>
-              <p:nvPr/>
-            </p:nvSpPr>
-            <p:spPr>
-              <a:xfrm>
-                <a:off x="5795468" y="941294"/>
-                <a:ext cx="3768215" cy="4876800"/>
-              </a:xfrm>
-              <a:prstGeom prst="roundRect">
-                <a:avLst/>
-              </a:prstGeom>
-              <a:solidFill>
-                <a:srgbClr val="E3E8F7">
-                  <a:alpha val="32941"/>
-                </a:srgbClr>
-              </a:solidFill>
-              <a:ln>
-                <a:noFill/>
-              </a:ln>
-            </p:spPr>
-            <p:style>
-              <a:lnRef idx="2">
-                <a:schemeClr val="accent1">
-                  <a:shade val="50000"/>
-                </a:schemeClr>
-              </a:lnRef>
-              <a:fillRef idx="1">
-                <a:schemeClr val="accent1"/>
-              </a:fillRef>
-              <a:effectRef idx="0">
-                <a:schemeClr val="accent1"/>
-              </a:effectRef>
-              <a:fontRef idx="minor">
-                <a:schemeClr val="lt1"/>
-              </a:fontRef>
-            </p:style>
-            <p:txBody>
-              <a:bodyPr rtlCol="0" anchor="ctr"/>
-              <a:lstStyle/>
-              <a:p>
-                <a:pPr algn="ctr"/>
-                <a:endParaRPr lang="en-US"/>
-              </a:p>
-            </p:txBody>
-          </p:sp>
-          <p:sp>
-            <p:nvSpPr>
-              <p:cNvPr id="12" name="TextBox 11">
-                <a:extLst>
-                  <a:ext uri="{FF2B5EF4-FFF2-40B4-BE49-F238E27FC236}">
-                    <a16:creationId xmlns:a16="http://schemas.microsoft.com/office/drawing/2014/main" id="{F01EEEDD-D7CF-A051-34AF-E5BD4A836CDF}"/>
-                  </a:ext>
-                </a:extLst>
-              </p:cNvPr>
-              <p:cNvSpPr txBox="1"/>
-              <p:nvPr/>
-            </p:nvSpPr>
-            <p:spPr>
-              <a:xfrm>
-                <a:off x="5975598" y="1166842"/>
-                <a:ext cx="3650170" cy="4524315"/>
-              </a:xfrm>
-              <a:prstGeom prst="rect">
-                <a:avLst/>
-              </a:prstGeom>
-              <a:noFill/>
-            </p:spPr>
-            <p:txBody>
-              <a:bodyPr wrap="square" rtlCol="0">
-                <a:spAutoFit/>
-              </a:bodyPr>
-              <a:lstStyle/>
-              <a:p>
-                <a:r>
-                  <a:rPr lang="en-US" dirty="0">
-                    <a:solidFill>
-                      <a:schemeClr val="bg1">
-                        <a:lumMod val="85000"/>
-                      </a:schemeClr>
-                    </a:solidFill>
-                    <a:latin typeface="Consolas" panose="020B0609020204030204" pitchFamily="49" charset="0"/>
-                    <a:cs typeface="Consolas" panose="020B0609020204030204" pitchFamily="49" charset="0"/>
-                  </a:rPr>
-                  <a:t>intersect(</a:t>
-                </a:r>
-              </a:p>
-              <a:p>
-                <a:r>
-                  <a:rPr lang="en-US" dirty="0">
-                    <a:solidFill>
-                      <a:schemeClr val="bg1">
-                        <a:lumMod val="85000"/>
-                      </a:schemeClr>
-                    </a:solidFill>
-                    <a:latin typeface="Consolas" panose="020B0609020204030204" pitchFamily="49" charset="0"/>
-                    <a:cs typeface="Consolas" panose="020B0609020204030204" pitchFamily="49" charset="0"/>
-                  </a:rPr>
-                  <a:t>  cond(“Diabetic”),</a:t>
-                </a:r>
-              </a:p>
-              <a:p>
-                <a:r>
-                  <a:rPr lang="en-US" dirty="0">
-                    <a:solidFill>
-                      <a:schemeClr val="bg1">
-                        <a:lumMod val="85000"/>
-                      </a:schemeClr>
-                    </a:solidFill>
-                    <a:latin typeface="Consolas" panose="020B0609020204030204" pitchFamily="49" charset="0"/>
-                    <a:cs typeface="Consolas" panose="020B0609020204030204" pitchFamily="49" charset="0"/>
-                  </a:rPr>
-                  <a:t>  union(</a:t>
-                </a:r>
-              </a:p>
-              <a:p>
-                <a:r>
-                  <a:rPr lang="en-US" dirty="0">
-                    <a:solidFill>
-                      <a:schemeClr val="bg1">
-                        <a:lumMod val="85000"/>
-                      </a:schemeClr>
-                    </a:solidFill>
-                    <a:latin typeface="Consolas" panose="020B0609020204030204" pitchFamily="49" charset="0"/>
-                    <a:cs typeface="Consolas" panose="020B0609020204030204" pitchFamily="49" charset="0"/>
-                  </a:rPr>
-                  <a:t>    female(),</a:t>
-                </a:r>
-              </a:p>
-              <a:p>
-                <a:r>
-                  <a:rPr lang="en-US" dirty="0">
-                    <a:solidFill>
-                      <a:schemeClr val="bg1">
-                        <a:lumMod val="85000"/>
-                      </a:schemeClr>
-                    </a:solidFill>
-                    <a:latin typeface="Consolas" panose="020B0609020204030204" pitchFamily="49" charset="0"/>
-                    <a:cs typeface="Consolas" panose="020B0609020204030204" pitchFamily="49" charset="0"/>
-                  </a:rPr>
-                  <a:t>    male()</a:t>
-                </a:r>
-              </a:p>
-              <a:p>
-                <a:r>
-                  <a:rPr lang="en-US" dirty="0">
-                    <a:solidFill>
-                      <a:schemeClr val="bg1">
-                        <a:lumMod val="85000"/>
-                      </a:schemeClr>
-                    </a:solidFill>
-                    <a:latin typeface="Consolas" panose="020B0609020204030204" pitchFamily="49" charset="0"/>
-                    <a:cs typeface="Consolas" panose="020B0609020204030204" pitchFamily="49" charset="0"/>
-                  </a:rPr>
-                  <a:t>  ),</a:t>
-                </a:r>
-              </a:p>
-              <a:p>
-                <a:r>
-                  <a:rPr lang="en-US" dirty="0">
-                    <a:solidFill>
-                      <a:schemeClr val="bg1">
-                        <a:lumMod val="85000"/>
-                      </a:schemeClr>
-                    </a:solidFill>
-                    <a:latin typeface="Consolas" panose="020B0609020204030204" pitchFamily="49" charset="0"/>
-                    <a:cs typeface="Consolas" panose="020B0609020204030204" pitchFamily="49" charset="0"/>
-                  </a:rPr>
-                  <a:t>  age()</a:t>
-                </a:r>
-              </a:p>
-              <a:p>
-                <a:r>
-                  <a:rPr lang="en-US" dirty="0">
-                    <a:solidFill>
-                      <a:schemeClr val="bg1">
-                        <a:lumMod val="85000"/>
-                      </a:schemeClr>
-                    </a:solidFill>
-                    <a:latin typeface="Consolas" panose="020B0609020204030204" pitchFamily="49" charset="0"/>
-                    <a:cs typeface="Consolas" panose="020B0609020204030204" pitchFamily="49" charset="0"/>
-                  </a:rPr>
-                  <a:t>    .</a:t>
-                </a:r>
-                <a:r>
-                  <a:rPr lang="en-US" dirty="0" err="1">
-                    <a:solidFill>
-                      <a:schemeClr val="bg1">
-                        <a:lumMod val="85000"/>
-                      </a:schemeClr>
-                    </a:solidFill>
-                    <a:latin typeface="Consolas" panose="020B0609020204030204" pitchFamily="49" charset="0"/>
-                    <a:cs typeface="Consolas" panose="020B0609020204030204" pitchFamily="49" charset="0"/>
-                  </a:rPr>
-                  <a:t>num_filter</a:t>
-                </a:r>
-                <a:r>
-                  <a:rPr lang="en-US" dirty="0">
-                    <a:solidFill>
-                      <a:schemeClr val="bg1">
-                        <a:lumMod val="85000"/>
-                      </a:schemeClr>
-                    </a:solidFill>
-                    <a:latin typeface="Consolas" panose="020B0609020204030204" pitchFamily="49" charset="0"/>
-                    <a:cs typeface="Consolas" panose="020B0609020204030204" pitchFamily="49" charset="0"/>
-                  </a:rPr>
-                  <a:t>(</a:t>
-                </a:r>
-              </a:p>
-              <a:p>
-                <a:r>
-                  <a:rPr lang="en-US" dirty="0">
-                    <a:solidFill>
-                      <a:schemeClr val="bg1">
-                        <a:lumMod val="85000"/>
-                      </a:schemeClr>
-                    </a:solidFill>
-                    <a:latin typeface="Consolas" panose="020B0609020204030204" pitchFamily="49" charset="0"/>
-                    <a:cs typeface="Consolas" panose="020B0609020204030204" pitchFamily="49" charset="0"/>
-                  </a:rPr>
-                  <a:t>      eq(op(GT), val(“65”))</a:t>
-                </a:r>
-              </a:p>
-              <a:p>
-                <a:r>
-                  <a:rPr lang="en-US" dirty="0">
-                    <a:solidFill>
-                      <a:schemeClr val="bg1">
-                        <a:lumMod val="85000"/>
-                      </a:schemeClr>
-                    </a:solidFill>
-                    <a:latin typeface="Consolas" panose="020B0609020204030204" pitchFamily="49" charset="0"/>
-                    <a:cs typeface="Consolas" panose="020B0609020204030204" pitchFamily="49" charset="0"/>
-                  </a:rPr>
-                  <a:t>    ),</a:t>
-                </a:r>
-              </a:p>
-              <a:p>
-                <a:r>
-                  <a:rPr lang="en-US" dirty="0">
-                    <a:solidFill>
-                      <a:schemeClr val="bg1">
-                        <a:lumMod val="85000"/>
-                      </a:schemeClr>
-                    </a:solidFill>
-                    <a:latin typeface="Consolas" panose="020B0609020204030204" pitchFamily="49" charset="0"/>
-                    <a:cs typeface="Consolas" panose="020B0609020204030204" pitchFamily="49" charset="0"/>
-                  </a:rPr>
-                  <a:t>  neg(</a:t>
-                </a:r>
-              </a:p>
-              <a:p>
-                <a:r>
-                  <a:rPr lang="en-US" dirty="0">
-                    <a:solidFill>
-                      <a:schemeClr val="bg1">
-                        <a:lumMod val="85000"/>
-                      </a:schemeClr>
-                    </a:solidFill>
-                    <a:latin typeface="Consolas" panose="020B0609020204030204" pitchFamily="49" charset="0"/>
-                    <a:cs typeface="Consolas" panose="020B0609020204030204" pitchFamily="49" charset="0"/>
-                  </a:rPr>
-                  <a:t>    contraindication(</a:t>
-                </a:r>
-              </a:p>
-              <a:p>
-                <a:r>
-                  <a:rPr lang="en-US" dirty="0">
-                    <a:solidFill>
-                      <a:schemeClr val="bg1">
-                        <a:lumMod val="85000"/>
-                      </a:schemeClr>
-                    </a:solidFill>
-                    <a:latin typeface="Consolas" panose="020B0609020204030204" pitchFamily="49" charset="0"/>
-                    <a:cs typeface="Consolas" panose="020B0609020204030204" pitchFamily="49" charset="0"/>
-                  </a:rPr>
-                  <a:t>      drug(“metformin”)</a:t>
-                </a:r>
-              </a:p>
-              <a:p>
-                <a:r>
-                  <a:rPr lang="en-US" dirty="0">
-                    <a:solidFill>
-                      <a:schemeClr val="bg1">
-                        <a:lumMod val="85000"/>
-                      </a:schemeClr>
-                    </a:solidFill>
-                    <a:latin typeface="Consolas" panose="020B0609020204030204" pitchFamily="49" charset="0"/>
-                    <a:cs typeface="Consolas" panose="020B0609020204030204" pitchFamily="49" charset="0"/>
-                  </a:rPr>
-                  <a:t>    )</a:t>
-                </a:r>
-              </a:p>
-              <a:p>
-                <a:r>
-                  <a:rPr lang="en-US" dirty="0">
-                    <a:solidFill>
-                      <a:schemeClr val="bg1">
-                        <a:lumMod val="85000"/>
-                      </a:schemeClr>
-                    </a:solidFill>
-                    <a:latin typeface="Consolas" panose="020B0609020204030204" pitchFamily="49" charset="0"/>
-                    <a:cs typeface="Consolas" panose="020B0609020204030204" pitchFamily="49" charset="0"/>
-                  </a:rPr>
-                  <a:t>  )</a:t>
-                </a:r>
-              </a:p>
-              <a:p>
-                <a:r>
-                  <a:rPr lang="en-US" dirty="0">
-                    <a:solidFill>
-                      <a:schemeClr val="bg1">
-                        <a:lumMod val="85000"/>
-                      </a:schemeClr>
-                    </a:solidFill>
-                    <a:latin typeface="Consolas" panose="020B0609020204030204" pitchFamily="49" charset="0"/>
-                    <a:cs typeface="Consolas" panose="020B0609020204030204" pitchFamily="49" charset="0"/>
-                  </a:rPr>
-                  <a:t>)</a:t>
-                </a:r>
-              </a:p>
-            </p:txBody>
-          </p:sp>
-        </p:grpSp>
-        <p:cxnSp>
-          <p:nvCxnSpPr>
-            <p:cNvPr id="13" name="Straight Connector 12">
-              <a:extLst>
-                <a:ext uri="{FF2B5EF4-FFF2-40B4-BE49-F238E27FC236}">
-                  <a16:creationId xmlns:a16="http://schemas.microsoft.com/office/drawing/2014/main" id="{63DE21FA-FECC-E4C0-B5D5-ABB6423AE1BD}"/>
-                </a:ext>
-              </a:extLst>
-            </p:cNvPr>
-            <p:cNvCxnSpPr>
-              <a:cxnSpLocks/>
-            </p:cNvCxnSpPr>
-            <p:nvPr/>
-          </p:nvCxnSpPr>
-          <p:spPr>
-            <a:xfrm>
-              <a:off x="2522834" y="1707294"/>
-              <a:ext cx="0" cy="4342174"/>
-            </a:xfrm>
-            <a:prstGeom prst="line">
-              <a:avLst/>
-            </a:prstGeom>
-            <a:ln w="28575">
-              <a:solidFill>
-                <a:schemeClr val="accent5"/>
-              </a:solidFill>
-            </a:ln>
-          </p:spPr>
-          <p:style>
-            <a:lnRef idx="1">
-              <a:schemeClr val="accent1"/>
-            </a:lnRef>
-            <a:fillRef idx="0">
-              <a:schemeClr val="accent1"/>
-            </a:fillRef>
-            <a:effectRef idx="0">
-              <a:schemeClr val="accent1"/>
-            </a:effectRef>
-            <a:fontRef idx="minor">
-              <a:schemeClr val="tx1"/>
-            </a:fontRef>
-          </p:style>
-        </p:cxnSp>
-        <p:cxnSp>
-          <p:nvCxnSpPr>
-            <p:cNvPr id="14" name="Straight Connector 13">
-              <a:extLst>
-                <a:ext uri="{FF2B5EF4-FFF2-40B4-BE49-F238E27FC236}">
-                  <a16:creationId xmlns:a16="http://schemas.microsoft.com/office/drawing/2014/main" id="{7C370CEB-B709-9ACE-3BCB-465C982AA05D}"/>
-                </a:ext>
-              </a:extLst>
-            </p:cNvPr>
-            <p:cNvCxnSpPr>
-              <a:cxnSpLocks/>
-            </p:cNvCxnSpPr>
-            <p:nvPr/>
-          </p:nvCxnSpPr>
-          <p:spPr>
-            <a:xfrm>
-              <a:off x="2762320" y="2053530"/>
-              <a:ext cx="0" cy="3778110"/>
-            </a:xfrm>
-            <a:prstGeom prst="line">
-              <a:avLst/>
-            </a:prstGeom>
-            <a:ln w="28575">
-              <a:solidFill>
-                <a:srgbClr val="7030A0"/>
-              </a:solidFill>
-            </a:ln>
-          </p:spPr>
-          <p:style>
-            <a:lnRef idx="1">
-              <a:schemeClr val="accent1"/>
-            </a:lnRef>
-            <a:fillRef idx="0">
-              <a:schemeClr val="accent1"/>
-            </a:fillRef>
-            <a:effectRef idx="0">
-              <a:schemeClr val="accent1"/>
-            </a:effectRef>
-            <a:fontRef idx="minor">
-              <a:schemeClr val="tx1"/>
-            </a:fontRef>
-          </p:style>
-        </p:cxnSp>
-        <p:cxnSp>
-          <p:nvCxnSpPr>
-            <p:cNvPr id="15" name="Straight Connector 14">
-              <a:extLst>
-                <a:ext uri="{FF2B5EF4-FFF2-40B4-BE49-F238E27FC236}">
-                  <a16:creationId xmlns:a16="http://schemas.microsoft.com/office/drawing/2014/main" id="{BAC32307-87DD-BE35-432C-067DD62345FC}"/>
-                </a:ext>
-              </a:extLst>
-            </p:cNvPr>
-            <p:cNvCxnSpPr>
-              <a:cxnSpLocks/>
-            </p:cNvCxnSpPr>
-            <p:nvPr/>
-          </p:nvCxnSpPr>
-          <p:spPr>
-            <a:xfrm>
-              <a:off x="2993098" y="2481848"/>
-              <a:ext cx="0" cy="549148"/>
-            </a:xfrm>
-            <a:prstGeom prst="line">
-              <a:avLst/>
-            </a:prstGeom>
-            <a:ln w="28575">
-              <a:solidFill>
-                <a:schemeClr val="accent2"/>
-              </a:solidFill>
-            </a:ln>
-          </p:spPr>
-          <p:style>
-            <a:lnRef idx="1">
-              <a:schemeClr val="accent1"/>
-            </a:lnRef>
-            <a:fillRef idx="0">
-              <a:schemeClr val="accent1"/>
-            </a:fillRef>
-            <a:effectRef idx="0">
-              <a:schemeClr val="accent1"/>
-            </a:effectRef>
-            <a:fontRef idx="minor">
-              <a:schemeClr val="tx1"/>
-            </a:fontRef>
-          </p:style>
-        </p:cxnSp>
-        <p:cxnSp>
-          <p:nvCxnSpPr>
-            <p:cNvPr id="16" name="Straight Connector 15">
-              <a:extLst>
-                <a:ext uri="{FF2B5EF4-FFF2-40B4-BE49-F238E27FC236}">
-                  <a16:creationId xmlns:a16="http://schemas.microsoft.com/office/drawing/2014/main" id="{928661E1-8E68-54E5-39B7-2BBF1E7BB600}"/>
-                </a:ext>
-              </a:extLst>
-            </p:cNvPr>
-            <p:cNvCxnSpPr>
-              <a:cxnSpLocks/>
-            </p:cNvCxnSpPr>
-            <p:nvPr/>
-          </p:nvCxnSpPr>
-          <p:spPr>
-            <a:xfrm>
-              <a:off x="2993098" y="3675469"/>
-              <a:ext cx="0" cy="748406"/>
-            </a:xfrm>
-            <a:prstGeom prst="line">
-              <a:avLst/>
-            </a:prstGeom>
-            <a:ln w="28575">
-              <a:solidFill>
-                <a:schemeClr val="accent2"/>
-              </a:solidFill>
-            </a:ln>
-          </p:spPr>
-          <p:style>
-            <a:lnRef idx="1">
-              <a:schemeClr val="accent1"/>
-            </a:lnRef>
-            <a:fillRef idx="0">
-              <a:schemeClr val="accent1"/>
-            </a:fillRef>
-            <a:effectRef idx="0">
-              <a:schemeClr val="accent1"/>
-            </a:effectRef>
-            <a:fontRef idx="minor">
-              <a:schemeClr val="tx1"/>
-            </a:fontRef>
-          </p:style>
-        </p:cxnSp>
-        <p:cxnSp>
-          <p:nvCxnSpPr>
-            <p:cNvPr id="17" name="Straight Connector 16">
-              <a:extLst>
-                <a:ext uri="{FF2B5EF4-FFF2-40B4-BE49-F238E27FC236}">
-                  <a16:creationId xmlns:a16="http://schemas.microsoft.com/office/drawing/2014/main" id="{A7ED75E9-85DA-E673-064E-512FE6716228}"/>
-                </a:ext>
-              </a:extLst>
-            </p:cNvPr>
-            <p:cNvCxnSpPr>
-              <a:cxnSpLocks/>
-            </p:cNvCxnSpPr>
-            <p:nvPr/>
-          </p:nvCxnSpPr>
-          <p:spPr>
-            <a:xfrm>
-              <a:off x="2993098" y="4808077"/>
-              <a:ext cx="0" cy="748406"/>
-            </a:xfrm>
-            <a:prstGeom prst="line">
-              <a:avLst/>
-            </a:prstGeom>
-            <a:ln w="28575">
-              <a:solidFill>
-                <a:schemeClr val="accent2"/>
-              </a:solidFill>
-            </a:ln>
-          </p:spPr>
-          <p:style>
-            <a:lnRef idx="1">
-              <a:schemeClr val="accent1"/>
-            </a:lnRef>
-            <a:fillRef idx="0">
-              <a:schemeClr val="accent1"/>
-            </a:fillRef>
-            <a:effectRef idx="0">
-              <a:schemeClr val="accent1"/>
-            </a:effectRef>
-            <a:fontRef idx="minor">
-              <a:schemeClr val="tx1"/>
-            </a:fontRef>
-          </p:style>
-        </p:cxnSp>
-        <p:cxnSp>
-          <p:nvCxnSpPr>
-            <p:cNvPr id="18" name="Straight Connector 17">
-              <a:extLst>
-                <a:ext uri="{FF2B5EF4-FFF2-40B4-BE49-F238E27FC236}">
-                  <a16:creationId xmlns:a16="http://schemas.microsoft.com/office/drawing/2014/main" id="{13657859-5CCC-D976-F3A1-88701A38D60D}"/>
-                </a:ext>
-              </a:extLst>
-            </p:cNvPr>
-            <p:cNvCxnSpPr>
-              <a:cxnSpLocks/>
-            </p:cNvCxnSpPr>
-            <p:nvPr/>
-          </p:nvCxnSpPr>
-          <p:spPr>
-            <a:xfrm>
-              <a:off x="3250001" y="3915449"/>
-              <a:ext cx="0" cy="309168"/>
-            </a:xfrm>
-            <a:prstGeom prst="line">
-              <a:avLst/>
-            </a:prstGeom>
-            <a:ln w="28575">
-              <a:solidFill>
-                <a:schemeClr val="accent6"/>
-              </a:solidFill>
-            </a:ln>
-          </p:spPr>
-          <p:style>
-            <a:lnRef idx="1">
-              <a:schemeClr val="accent1"/>
-            </a:lnRef>
-            <a:fillRef idx="0">
-              <a:schemeClr val="accent1"/>
-            </a:fillRef>
-            <a:effectRef idx="0">
-              <a:schemeClr val="accent1"/>
-            </a:effectRef>
-            <a:fontRef idx="minor">
-              <a:schemeClr val="tx1"/>
-            </a:fontRef>
-          </p:style>
-        </p:cxnSp>
-        <p:cxnSp>
-          <p:nvCxnSpPr>
-            <p:cNvPr id="19" name="Straight Connector 18">
-              <a:extLst>
-                <a:ext uri="{FF2B5EF4-FFF2-40B4-BE49-F238E27FC236}">
-                  <a16:creationId xmlns:a16="http://schemas.microsoft.com/office/drawing/2014/main" id="{7775A79D-15F7-D1C0-E6D1-EAF5145B99C3}"/>
-                </a:ext>
-              </a:extLst>
-            </p:cNvPr>
-            <p:cNvCxnSpPr>
-              <a:cxnSpLocks/>
-            </p:cNvCxnSpPr>
-            <p:nvPr/>
-          </p:nvCxnSpPr>
-          <p:spPr>
-            <a:xfrm>
-              <a:off x="3250001" y="4999666"/>
-              <a:ext cx="0" cy="309168"/>
-            </a:xfrm>
-            <a:prstGeom prst="line">
-              <a:avLst/>
-            </a:prstGeom>
-            <a:ln w="28575">
-              <a:solidFill>
-                <a:schemeClr val="accent6"/>
-              </a:solidFill>
-            </a:ln>
-          </p:spPr>
-          <p:style>
-            <a:lnRef idx="1">
-              <a:schemeClr val="accent1"/>
-            </a:lnRef>
-            <a:fillRef idx="0">
-              <a:schemeClr val="accent1"/>
-            </a:fillRef>
-            <a:effectRef idx="0">
-              <a:schemeClr val="accent1"/>
-            </a:effectRef>
-            <a:fontRef idx="minor">
-              <a:schemeClr val="tx1"/>
-            </a:fontRef>
-          </p:style>
-        </p:cxnSp>
-        <p:sp>
-          <p:nvSpPr>
-            <p:cNvPr id="20" name="TextBox 19">
-              <a:extLst>
-                <a:ext uri="{FF2B5EF4-FFF2-40B4-BE49-F238E27FC236}">
-                  <a16:creationId xmlns:a16="http://schemas.microsoft.com/office/drawing/2014/main" id="{F57CECE5-B1B0-DAA4-C13E-34BFEC0C8244}"/>
-                </a:ext>
-              </a:extLst>
-            </p:cNvPr>
-            <p:cNvSpPr txBox="1"/>
-            <p:nvPr/>
-          </p:nvSpPr>
-          <p:spPr>
-            <a:xfrm>
-              <a:off x="2371991" y="1117537"/>
-              <a:ext cx="1090363" cy="369332"/>
-            </a:xfrm>
-            <a:prstGeom prst="rect">
-              <a:avLst/>
-            </a:prstGeom>
-            <a:noFill/>
-          </p:spPr>
-          <p:txBody>
-            <a:bodyPr wrap="none" rtlCol="0">
-              <a:spAutoFit/>
-            </a:bodyPr>
-            <a:lstStyle/>
-            <a:p>
-              <a:r>
-                <a:rPr lang="en-US" dirty="0">
-                  <a:solidFill>
-                    <a:schemeClr val="accent5"/>
-                  </a:solidFill>
-                  <a:latin typeface="Roboto Light" panose="02000000000000000000" pitchFamily="2" charset="0"/>
-                  <a:ea typeface="Roboto Light" panose="02000000000000000000" pitchFamily="2" charset="0"/>
-                </a:rPr>
-                <a:t>1</a:t>
-              </a:r>
-              <a:r>
-                <a:rPr lang="en-US" dirty="0">
-                  <a:latin typeface="Roboto Light" panose="02000000000000000000" pitchFamily="2" charset="0"/>
-                  <a:ea typeface="Roboto Light" panose="02000000000000000000" pitchFamily="2" charset="0"/>
-                </a:rPr>
-                <a:t>  </a:t>
-              </a:r>
-              <a:r>
-                <a:rPr lang="en-US" dirty="0">
-                  <a:solidFill>
-                    <a:srgbClr val="7030A0"/>
-                  </a:solidFill>
-                  <a:latin typeface="Roboto Light" panose="02000000000000000000" pitchFamily="2" charset="0"/>
-                  <a:ea typeface="Roboto Light" panose="02000000000000000000" pitchFamily="2" charset="0"/>
-                </a:rPr>
-                <a:t>2</a:t>
-              </a:r>
-              <a:r>
-                <a:rPr lang="en-US" dirty="0">
-                  <a:latin typeface="Roboto Light" panose="02000000000000000000" pitchFamily="2" charset="0"/>
-                  <a:ea typeface="Roboto Light" panose="02000000000000000000" pitchFamily="2" charset="0"/>
-                </a:rPr>
-                <a:t>  </a:t>
-              </a:r>
-              <a:r>
-                <a:rPr lang="en-US" dirty="0">
-                  <a:solidFill>
-                    <a:schemeClr val="accent2"/>
-                  </a:solidFill>
-                  <a:latin typeface="Roboto Light" panose="02000000000000000000" pitchFamily="2" charset="0"/>
-                  <a:ea typeface="Roboto Light" panose="02000000000000000000" pitchFamily="2" charset="0"/>
-                </a:rPr>
-                <a:t>3</a:t>
-              </a:r>
-              <a:r>
-                <a:rPr lang="en-US" dirty="0">
-                  <a:latin typeface="Roboto Light" panose="02000000000000000000" pitchFamily="2" charset="0"/>
-                  <a:ea typeface="Roboto Light" panose="02000000000000000000" pitchFamily="2" charset="0"/>
-                </a:rPr>
-                <a:t>  </a:t>
-              </a:r>
-              <a:r>
-                <a:rPr lang="en-US" dirty="0">
-                  <a:solidFill>
-                    <a:schemeClr val="accent6"/>
-                  </a:solidFill>
-                  <a:latin typeface="Roboto Light" panose="02000000000000000000" pitchFamily="2" charset="0"/>
-                  <a:ea typeface="Roboto Light" panose="02000000000000000000" pitchFamily="2" charset="0"/>
-                </a:rPr>
-                <a:t>4</a:t>
-              </a:r>
-              <a:r>
-                <a:rPr lang="en-US" dirty="0">
-                  <a:latin typeface="Roboto Light" panose="02000000000000000000" pitchFamily="2" charset="0"/>
-                  <a:ea typeface="Roboto Light" panose="02000000000000000000" pitchFamily="2" charset="0"/>
-                </a:rPr>
-                <a:t> </a:t>
-              </a:r>
-            </a:p>
-          </p:txBody>
-        </p:sp>
-      </p:grpSp>
     </p:spTree>
     <p:extLst>
       <p:ext uri="{BB962C8B-B14F-4D97-AF65-F5344CB8AC3E}">
@@ -5163,7 +4442,7 @@
         </p:blipFill>
         <p:spPr>
           <a:xfrm>
-            <a:off x="1931504" y="113493"/>
+            <a:off x="1931504" y="0"/>
             <a:ext cx="7772400" cy="3092682"/>
           </a:xfrm>
           <a:prstGeom prst="rect">
@@ -5193,7 +4472,7 @@
         </p:blipFill>
         <p:spPr>
           <a:xfrm>
-            <a:off x="1931504" y="3206175"/>
+            <a:off x="1931504" y="3092682"/>
             <a:ext cx="7772400" cy="4325752"/>
           </a:xfrm>
           <a:prstGeom prst="rect">

--- a/5_dissertation/presentation/figures.pptx
+++ b/5_dissertation/presentation/figures.pptx
@@ -8,6 +8,10 @@
     <p:sldId id="256" r:id="rId2"/>
     <p:sldId id="257" r:id="rId3"/>
     <p:sldId id="258" r:id="rId4"/>
+    <p:sldId id="259" r:id="rId5"/>
+    <p:sldId id="260" r:id="rId6"/>
+    <p:sldId id="261" r:id="rId7"/>
+    <p:sldId id="262" r:id="rId8"/>
   </p:sldIdLst>
   <p:sldSz cx="12192000" cy="6858000"/>
   <p:notesSz cx="6858000" cy="9144000"/>
@@ -106,6 +110,11 @@
       </a:defRPr>
     </a:lvl9pPr>
   </p:defaultTextStyle>
+  <p:extLst>
+    <p:ext uri="{EFAFB233-063F-42B5-8137-9DF3F51BA10A}">
+      <p15:sldGuideLst xmlns:p15="http://schemas.microsoft.com/office/powerpoint/2012/main"/>
+    </p:ext>
+  </p:extLst>
 </p:presentation>
 </file>
 
@@ -256,7 +265,7 @@
           <a:p>
             <a:fld id="{397FA4FC-ACB8-0C4C-ADEB-F4539D35230C}" type="datetimeFigureOut">
               <a:rPr lang="en-US" smtClean="0"/>
-              <a:t>5/2/23</a:t>
+              <a:t>5/5/23</a:t>
             </a:fld>
             <a:endParaRPr lang="en-US"/>
           </a:p>
@@ -454,7 +463,7 @@
           <a:p>
             <a:fld id="{397FA4FC-ACB8-0C4C-ADEB-F4539D35230C}" type="datetimeFigureOut">
               <a:rPr lang="en-US" smtClean="0"/>
-              <a:t>5/2/23</a:t>
+              <a:t>5/5/23</a:t>
             </a:fld>
             <a:endParaRPr lang="en-US"/>
           </a:p>
@@ -662,7 +671,7 @@
           <a:p>
             <a:fld id="{397FA4FC-ACB8-0C4C-ADEB-F4539D35230C}" type="datetimeFigureOut">
               <a:rPr lang="en-US" smtClean="0"/>
-              <a:t>5/2/23</a:t>
+              <a:t>5/5/23</a:t>
             </a:fld>
             <a:endParaRPr lang="en-US"/>
           </a:p>
@@ -860,7 +869,7 @@
           <a:p>
             <a:fld id="{397FA4FC-ACB8-0C4C-ADEB-F4539D35230C}" type="datetimeFigureOut">
               <a:rPr lang="en-US" smtClean="0"/>
-              <a:t>5/2/23</a:t>
+              <a:t>5/5/23</a:t>
             </a:fld>
             <a:endParaRPr lang="en-US"/>
           </a:p>
@@ -1135,7 +1144,7 @@
           <a:p>
             <a:fld id="{397FA4FC-ACB8-0C4C-ADEB-F4539D35230C}" type="datetimeFigureOut">
               <a:rPr lang="en-US" smtClean="0"/>
-              <a:t>5/2/23</a:t>
+              <a:t>5/5/23</a:t>
             </a:fld>
             <a:endParaRPr lang="en-US"/>
           </a:p>
@@ -1400,7 +1409,7 @@
           <a:p>
             <a:fld id="{397FA4FC-ACB8-0C4C-ADEB-F4539D35230C}" type="datetimeFigureOut">
               <a:rPr lang="en-US" smtClean="0"/>
-              <a:t>5/2/23</a:t>
+              <a:t>5/5/23</a:t>
             </a:fld>
             <a:endParaRPr lang="en-US"/>
           </a:p>
@@ -1812,7 +1821,7 @@
           <a:p>
             <a:fld id="{397FA4FC-ACB8-0C4C-ADEB-F4539D35230C}" type="datetimeFigureOut">
               <a:rPr lang="en-US" smtClean="0"/>
-              <a:t>5/2/23</a:t>
+              <a:t>5/5/23</a:t>
             </a:fld>
             <a:endParaRPr lang="en-US"/>
           </a:p>
@@ -1953,7 +1962,7 @@
           <a:p>
             <a:fld id="{397FA4FC-ACB8-0C4C-ADEB-F4539D35230C}" type="datetimeFigureOut">
               <a:rPr lang="en-US" smtClean="0"/>
-              <a:t>5/2/23</a:t>
+              <a:t>5/5/23</a:t>
             </a:fld>
             <a:endParaRPr lang="en-US"/>
           </a:p>
@@ -2066,7 +2075,7 @@
           <a:p>
             <a:fld id="{397FA4FC-ACB8-0C4C-ADEB-F4539D35230C}" type="datetimeFigureOut">
               <a:rPr lang="en-US" smtClean="0"/>
-              <a:t>5/2/23</a:t>
+              <a:t>5/5/23</a:t>
             </a:fld>
             <a:endParaRPr lang="en-US"/>
           </a:p>
@@ -2377,7 +2386,7 @@
           <a:p>
             <a:fld id="{397FA4FC-ACB8-0C4C-ADEB-F4539D35230C}" type="datetimeFigureOut">
               <a:rPr lang="en-US" smtClean="0"/>
-              <a:t>5/2/23</a:t>
+              <a:t>5/5/23</a:t>
             </a:fld>
             <a:endParaRPr lang="en-US"/>
           </a:p>
@@ -2665,7 +2674,7 @@
           <a:p>
             <a:fld id="{397FA4FC-ACB8-0C4C-ADEB-F4539D35230C}" type="datetimeFigureOut">
               <a:rPr lang="en-US" smtClean="0"/>
-              <a:t>5/2/23</a:t>
+              <a:t>5/5/23</a:t>
             </a:fld>
             <a:endParaRPr lang="en-US"/>
           </a:p>
@@ -2906,7 +2915,7 @@
           <a:p>
             <a:fld id="{397FA4FC-ACB8-0C4C-ADEB-F4539D35230C}" type="datetimeFigureOut">
               <a:rPr lang="en-US" smtClean="0"/>
-              <a:t>5/2/23</a:t>
+              <a:t>5/5/23</a:t>
             </a:fld>
             <a:endParaRPr lang="en-US"/>
           </a:p>
@@ -4493,6 +4502,423 @@
 </p:sld>
 </file>
 
+<file path=ppt/slides/slide4.xml><?xml version="1.0" encoding="utf-8"?>
+<p:sld xmlns:a="http://schemas.openxmlformats.org/drawingml/2006/main" xmlns:r="http://schemas.openxmlformats.org/officeDocument/2006/relationships" xmlns:p="http://schemas.openxmlformats.org/presentationml/2006/main">
+  <p:cSld>
+    <p:spTree>
+      <p:nvGrpSpPr>
+        <p:cNvPr id="1" name=""/>
+        <p:cNvGrpSpPr/>
+        <p:nvPr/>
+      </p:nvGrpSpPr>
+      <p:grpSpPr>
+        <a:xfrm>
+          <a:off x="0" y="0"/>
+          <a:ext cx="0" cy="0"/>
+          <a:chOff x="0" y="0"/>
+          <a:chExt cx="0" cy="0"/>
+        </a:xfrm>
+      </p:grpSpPr>
+      <p:pic>
+        <p:nvPicPr>
+          <p:cNvPr id="5" name="Picture 4" descr="Graphical user interface, text, application&#10;&#10;Description automatically generated">
+            <a:extLst>
+              <a:ext uri="{FF2B5EF4-FFF2-40B4-BE49-F238E27FC236}">
+                <a16:creationId xmlns:a16="http://schemas.microsoft.com/office/drawing/2014/main" id="{6D1630EA-7AD7-084A-85B4-C548C3CF8AC3}"/>
+              </a:ext>
+            </a:extLst>
+          </p:cNvPr>
+          <p:cNvPicPr>
+            <a:picLocks noChangeAspect="1"/>
+          </p:cNvPicPr>
+          <p:nvPr/>
+        </p:nvPicPr>
+        <p:blipFill>
+          <a:blip r:embed="rId2"/>
+          <a:stretch>
+            <a:fillRect/>
+          </a:stretch>
+        </p:blipFill>
+        <p:spPr>
+          <a:xfrm>
+            <a:off x="6294805" y="970677"/>
+            <a:ext cx="5187462" cy="1378073"/>
+          </a:xfrm>
+          <a:prstGeom prst="rect">
+            <a:avLst/>
+          </a:prstGeom>
+          <a:ln>
+            <a:noFill/>
+          </a:ln>
+          <a:effectLst>
+            <a:softEdge rad="38100"/>
+          </a:effectLst>
+        </p:spPr>
+      </p:pic>
+      <p:cxnSp>
+        <p:nvCxnSpPr>
+          <p:cNvPr id="9" name="Straight Connector 8">
+            <a:extLst>
+              <a:ext uri="{FF2B5EF4-FFF2-40B4-BE49-F238E27FC236}">
+                <a16:creationId xmlns:a16="http://schemas.microsoft.com/office/drawing/2014/main" id="{FE50AD62-CAFE-1D13-2792-F3DA419C05AA}"/>
+              </a:ext>
+            </a:extLst>
+          </p:cNvPr>
+          <p:cNvCxnSpPr>
+            <a:cxnSpLocks/>
+          </p:cNvCxnSpPr>
+          <p:nvPr/>
+        </p:nvCxnSpPr>
+        <p:spPr>
+          <a:xfrm>
+            <a:off x="6189784" y="835269"/>
+            <a:ext cx="0" cy="2751993"/>
+          </a:xfrm>
+          <a:prstGeom prst="line">
+            <a:avLst/>
+          </a:prstGeom>
+          <a:ln>
+            <a:solidFill>
+              <a:schemeClr val="bg1">
+                <a:lumMod val="85000"/>
+              </a:schemeClr>
+            </a:solidFill>
+          </a:ln>
+        </p:spPr>
+        <p:style>
+          <a:lnRef idx="1">
+            <a:schemeClr val="accent1"/>
+          </a:lnRef>
+          <a:fillRef idx="0">
+            <a:schemeClr val="accent1"/>
+          </a:fillRef>
+          <a:effectRef idx="0">
+            <a:schemeClr val="accent1"/>
+          </a:effectRef>
+          <a:fontRef idx="minor">
+            <a:schemeClr val="tx1"/>
+          </a:fontRef>
+        </p:style>
+      </p:cxnSp>
+      <p:pic>
+        <p:nvPicPr>
+          <p:cNvPr id="12" name="Picture 11" descr="Graphical user interface, text, application, chat or text message&#10;&#10;Description automatically generated">
+            <a:extLst>
+              <a:ext uri="{FF2B5EF4-FFF2-40B4-BE49-F238E27FC236}">
+                <a16:creationId xmlns:a16="http://schemas.microsoft.com/office/drawing/2014/main" id="{ED8D3D27-1505-933A-F193-4C7766E88C0F}"/>
+              </a:ext>
+            </a:extLst>
+          </p:cNvPr>
+          <p:cNvPicPr>
+            <a:picLocks noChangeAspect="1"/>
+          </p:cNvPicPr>
+          <p:nvPr/>
+        </p:nvPicPr>
+        <p:blipFill>
+          <a:blip r:embed="rId3"/>
+          <a:stretch>
+            <a:fillRect/>
+          </a:stretch>
+        </p:blipFill>
+        <p:spPr>
+          <a:xfrm>
+            <a:off x="626133" y="944029"/>
+            <a:ext cx="5458631" cy="2643233"/>
+          </a:xfrm>
+          <a:prstGeom prst="rect">
+            <a:avLst/>
+          </a:prstGeom>
+          <a:ln>
+            <a:noFill/>
+          </a:ln>
+          <a:effectLst>
+            <a:softEdge rad="38100"/>
+          </a:effectLst>
+        </p:spPr>
+      </p:pic>
+    </p:spTree>
+    <p:extLst>
+      <p:ext uri="{BB962C8B-B14F-4D97-AF65-F5344CB8AC3E}">
+        <p14:creationId xmlns:p14="http://schemas.microsoft.com/office/powerpoint/2010/main" val="3107712311"/>
+      </p:ext>
+    </p:extLst>
+  </p:cSld>
+  <p:clrMapOvr>
+    <a:masterClrMapping/>
+  </p:clrMapOvr>
+</p:sld>
+</file>
+
+<file path=ppt/slides/slide5.xml><?xml version="1.0" encoding="utf-8"?>
+<p:sld xmlns:a="http://schemas.openxmlformats.org/drawingml/2006/main" xmlns:r="http://schemas.openxmlformats.org/officeDocument/2006/relationships" xmlns:p="http://schemas.openxmlformats.org/presentationml/2006/main">
+  <p:cSld>
+    <p:spTree>
+      <p:nvGrpSpPr>
+        <p:cNvPr id="1" name=""/>
+        <p:cNvGrpSpPr/>
+        <p:nvPr/>
+      </p:nvGrpSpPr>
+      <p:grpSpPr>
+        <a:xfrm>
+          <a:off x="0" y="0"/>
+          <a:ext cx="0" cy="0"/>
+          <a:chOff x="0" y="0"/>
+          <a:chExt cx="0" cy="0"/>
+        </a:xfrm>
+      </p:grpSpPr>
+      <p:pic>
+        <p:nvPicPr>
+          <p:cNvPr id="5" name="Picture 4" descr="Graphical user interface, text, application, chat or text message&#10;&#10;Description automatically generated">
+            <a:extLst>
+              <a:ext uri="{FF2B5EF4-FFF2-40B4-BE49-F238E27FC236}">
+                <a16:creationId xmlns:a16="http://schemas.microsoft.com/office/drawing/2014/main" id="{CFBC3500-5C8F-7D0F-F5B1-3F330FD2D9D2}"/>
+              </a:ext>
+            </a:extLst>
+          </p:cNvPr>
+          <p:cNvPicPr>
+            <a:picLocks noChangeAspect="1"/>
+          </p:cNvPicPr>
+          <p:nvPr/>
+        </p:nvPicPr>
+        <p:blipFill>
+          <a:blip r:embed="rId2"/>
+          <a:stretch>
+            <a:fillRect/>
+          </a:stretch>
+        </p:blipFill>
+        <p:spPr>
+          <a:xfrm>
+            <a:off x="1428750" y="342900"/>
+            <a:ext cx="7772400" cy="5139301"/>
+          </a:xfrm>
+          <a:prstGeom prst="rect">
+            <a:avLst/>
+          </a:prstGeom>
+        </p:spPr>
+      </p:pic>
+    </p:spTree>
+    <p:extLst>
+      <p:ext uri="{BB962C8B-B14F-4D97-AF65-F5344CB8AC3E}">
+        <p14:creationId xmlns:p14="http://schemas.microsoft.com/office/powerpoint/2010/main" val="4014240946"/>
+      </p:ext>
+    </p:extLst>
+  </p:cSld>
+  <p:clrMapOvr>
+    <a:masterClrMapping/>
+  </p:clrMapOvr>
+</p:sld>
+</file>
+
+<file path=ppt/slides/slide6.xml><?xml version="1.0" encoding="utf-8"?>
+<p:sld xmlns:a="http://schemas.openxmlformats.org/drawingml/2006/main" xmlns:r="http://schemas.openxmlformats.org/officeDocument/2006/relationships" xmlns:p="http://schemas.openxmlformats.org/presentationml/2006/main">
+  <p:cSld>
+    <p:spTree>
+      <p:nvGrpSpPr>
+        <p:cNvPr id="1" name=""/>
+        <p:cNvGrpSpPr/>
+        <p:nvPr/>
+      </p:nvGrpSpPr>
+      <p:grpSpPr>
+        <a:xfrm>
+          <a:off x="0" y="0"/>
+          <a:ext cx="0" cy="0"/>
+          <a:chOff x="0" y="0"/>
+          <a:chExt cx="0" cy="0"/>
+        </a:xfrm>
+      </p:grpSpPr>
+      <p:pic>
+        <p:nvPicPr>
+          <p:cNvPr id="8" name="Picture 7" descr="Graphical user interface&#10;&#10;Description automatically generated with medium confidence">
+            <a:extLst>
+              <a:ext uri="{FF2B5EF4-FFF2-40B4-BE49-F238E27FC236}">
+                <a16:creationId xmlns:a16="http://schemas.microsoft.com/office/drawing/2014/main" id="{3A71A2C8-C77A-AFC2-90C4-C11B8F7EE76B}"/>
+              </a:ext>
+            </a:extLst>
+          </p:cNvPr>
+          <p:cNvPicPr>
+            <a:picLocks noChangeAspect="1"/>
+          </p:cNvPicPr>
+          <p:nvPr/>
+        </p:nvPicPr>
+        <p:blipFill>
+          <a:blip r:embed="rId2"/>
+          <a:stretch>
+            <a:fillRect/>
+          </a:stretch>
+        </p:blipFill>
+        <p:spPr>
+          <a:xfrm>
+            <a:off x="861646" y="83641"/>
+            <a:ext cx="7772400" cy="1765721"/>
+          </a:xfrm>
+          <a:prstGeom prst="rect">
+            <a:avLst/>
+          </a:prstGeom>
+        </p:spPr>
+      </p:pic>
+      <p:pic>
+        <p:nvPicPr>
+          <p:cNvPr id="10" name="Picture 9" descr="Graphical user interface, application&#10;&#10;Description automatically generated">
+            <a:extLst>
+              <a:ext uri="{FF2B5EF4-FFF2-40B4-BE49-F238E27FC236}">
+                <a16:creationId xmlns:a16="http://schemas.microsoft.com/office/drawing/2014/main" id="{1F7229D3-E7E8-5D7C-7984-BD888ADE649A}"/>
+              </a:ext>
+            </a:extLst>
+          </p:cNvPr>
+          <p:cNvPicPr>
+            <a:picLocks noChangeAspect="1"/>
+          </p:cNvPicPr>
+          <p:nvPr/>
+        </p:nvPicPr>
+        <p:blipFill>
+          <a:blip r:embed="rId3"/>
+          <a:stretch>
+            <a:fillRect/>
+          </a:stretch>
+        </p:blipFill>
+        <p:spPr>
+          <a:xfrm>
+            <a:off x="861646" y="1849362"/>
+            <a:ext cx="7772400" cy="2305030"/>
+          </a:xfrm>
+          <a:prstGeom prst="rect">
+            <a:avLst/>
+          </a:prstGeom>
+        </p:spPr>
+      </p:pic>
+      <p:pic>
+        <p:nvPicPr>
+          <p:cNvPr id="12" name="Picture 11" descr="Graphical user interface, application, Teams&#10;&#10;Description automatically generated">
+            <a:extLst>
+              <a:ext uri="{FF2B5EF4-FFF2-40B4-BE49-F238E27FC236}">
+                <a16:creationId xmlns:a16="http://schemas.microsoft.com/office/drawing/2014/main" id="{8D6797A4-AC11-000A-F515-676DCEE2EC26}"/>
+              </a:ext>
+            </a:extLst>
+          </p:cNvPr>
+          <p:cNvPicPr>
+            <a:picLocks noChangeAspect="1"/>
+          </p:cNvPicPr>
+          <p:nvPr/>
+        </p:nvPicPr>
+        <p:blipFill>
+          <a:blip r:embed="rId4"/>
+          <a:stretch>
+            <a:fillRect/>
+          </a:stretch>
+        </p:blipFill>
+        <p:spPr>
+          <a:xfrm>
+            <a:off x="861646" y="4154392"/>
+            <a:ext cx="7772400" cy="2829991"/>
+          </a:xfrm>
+          <a:prstGeom prst="rect">
+            <a:avLst/>
+          </a:prstGeom>
+        </p:spPr>
+      </p:pic>
+      <p:pic>
+        <p:nvPicPr>
+          <p:cNvPr id="14" name="Picture 13" descr="Graphical user interface, application, Teams&#10;&#10;Description automatically generated">
+            <a:extLst>
+              <a:ext uri="{FF2B5EF4-FFF2-40B4-BE49-F238E27FC236}">
+                <a16:creationId xmlns:a16="http://schemas.microsoft.com/office/drawing/2014/main" id="{3C84BF1D-0356-67CB-30A4-B035252AFF00}"/>
+              </a:ext>
+            </a:extLst>
+          </p:cNvPr>
+          <p:cNvPicPr>
+            <a:picLocks noChangeAspect="1"/>
+          </p:cNvPicPr>
+          <p:nvPr/>
+        </p:nvPicPr>
+        <p:blipFill>
+          <a:blip r:embed="rId5"/>
+          <a:stretch>
+            <a:fillRect/>
+          </a:stretch>
+        </p:blipFill>
+        <p:spPr>
+          <a:xfrm>
+            <a:off x="861646" y="6984383"/>
+            <a:ext cx="7772400" cy="2881357"/>
+          </a:xfrm>
+          <a:prstGeom prst="rect">
+            <a:avLst/>
+          </a:prstGeom>
+        </p:spPr>
+      </p:pic>
+    </p:spTree>
+    <p:extLst>
+      <p:ext uri="{BB962C8B-B14F-4D97-AF65-F5344CB8AC3E}">
+        <p14:creationId xmlns:p14="http://schemas.microsoft.com/office/powerpoint/2010/main" val="1318248503"/>
+      </p:ext>
+    </p:extLst>
+  </p:cSld>
+  <p:clrMapOvr>
+    <a:masterClrMapping/>
+  </p:clrMapOvr>
+</p:sld>
+</file>
+
+<file path=ppt/slides/slide7.xml><?xml version="1.0" encoding="utf-8"?>
+<p:sld xmlns:a="http://schemas.openxmlformats.org/drawingml/2006/main" xmlns:r="http://schemas.openxmlformats.org/officeDocument/2006/relationships" xmlns:p="http://schemas.openxmlformats.org/presentationml/2006/main">
+  <p:cSld>
+    <p:spTree>
+      <p:nvGrpSpPr>
+        <p:cNvPr id="1" name=""/>
+        <p:cNvGrpSpPr/>
+        <p:nvPr/>
+      </p:nvGrpSpPr>
+      <p:grpSpPr>
+        <a:xfrm>
+          <a:off x="0" y="0"/>
+          <a:ext cx="0" cy="0"/>
+          <a:chOff x="0" y="0"/>
+          <a:chExt cx="0" cy="0"/>
+        </a:xfrm>
+      </p:grpSpPr>
+      <p:pic>
+        <p:nvPicPr>
+          <p:cNvPr id="4" name="Picture 3" descr="Graphical user interface, application&#10;&#10;Description automatically generated">
+            <a:extLst>
+              <a:ext uri="{FF2B5EF4-FFF2-40B4-BE49-F238E27FC236}">
+                <a16:creationId xmlns:a16="http://schemas.microsoft.com/office/drawing/2014/main" id="{586FE96C-B4A2-26A0-87CC-2E40597988B6}"/>
+              </a:ext>
+            </a:extLst>
+          </p:cNvPr>
+          <p:cNvPicPr>
+            <a:picLocks noChangeAspect="1"/>
+          </p:cNvPicPr>
+          <p:nvPr/>
+        </p:nvPicPr>
+        <p:blipFill>
+          <a:blip r:embed="rId2"/>
+          <a:stretch>
+            <a:fillRect/>
+          </a:stretch>
+        </p:blipFill>
+        <p:spPr>
+          <a:xfrm>
+            <a:off x="2057400" y="1074705"/>
+            <a:ext cx="7772400" cy="2354295"/>
+          </a:xfrm>
+          <a:prstGeom prst="rect">
+            <a:avLst/>
+          </a:prstGeom>
+        </p:spPr>
+      </p:pic>
+    </p:spTree>
+    <p:extLst>
+      <p:ext uri="{BB962C8B-B14F-4D97-AF65-F5344CB8AC3E}">
+        <p14:creationId xmlns:p14="http://schemas.microsoft.com/office/powerpoint/2010/main" val="1159969173"/>
+      </p:ext>
+    </p:extLst>
+  </p:cSld>
+  <p:clrMapOvr>
+    <a:masterClrMapping/>
+  </p:clrMapOvr>
+</p:sld>
+</file>
+
 <file path=ppt/theme/theme1.xml><?xml version="1.0" encoding="utf-8"?>
 <a:theme xmlns:a="http://schemas.openxmlformats.org/drawingml/2006/main" name="Office Theme">
   <a:themeElements>

--- a/5_dissertation/presentation/figures.pptx
+++ b/5_dissertation/presentation/figures.pptx
@@ -10,8 +10,9 @@
     <p:sldId id="258" r:id="rId4"/>
     <p:sldId id="259" r:id="rId5"/>
     <p:sldId id="260" r:id="rId6"/>
-    <p:sldId id="261" r:id="rId7"/>
-    <p:sldId id="262" r:id="rId8"/>
+    <p:sldId id="262" r:id="rId7"/>
+    <p:sldId id="261" r:id="rId8"/>
+    <p:sldId id="263" r:id="rId9"/>
   </p:sldIdLst>
   <p:sldSz cx="12192000" cy="6858000"/>
   <p:notesSz cx="6858000" cy="9144000"/>
@@ -4728,6 +4729,66 @@
       </p:grpSpPr>
       <p:pic>
         <p:nvPicPr>
+          <p:cNvPr id="4" name="Picture 3" descr="Graphical user interface, application&#10;&#10;Description automatically generated">
+            <a:extLst>
+              <a:ext uri="{FF2B5EF4-FFF2-40B4-BE49-F238E27FC236}">
+                <a16:creationId xmlns:a16="http://schemas.microsoft.com/office/drawing/2014/main" id="{586FE96C-B4A2-26A0-87CC-2E40597988B6}"/>
+              </a:ext>
+            </a:extLst>
+          </p:cNvPr>
+          <p:cNvPicPr>
+            <a:picLocks noChangeAspect="1"/>
+          </p:cNvPicPr>
+          <p:nvPr/>
+        </p:nvPicPr>
+        <p:blipFill>
+          <a:blip r:embed="rId2"/>
+          <a:stretch>
+            <a:fillRect/>
+          </a:stretch>
+        </p:blipFill>
+        <p:spPr>
+          <a:xfrm>
+            <a:off x="2057400" y="1074705"/>
+            <a:ext cx="7772400" cy="2354295"/>
+          </a:xfrm>
+          <a:prstGeom prst="rect">
+            <a:avLst/>
+          </a:prstGeom>
+        </p:spPr>
+      </p:pic>
+    </p:spTree>
+    <p:extLst>
+      <p:ext uri="{BB962C8B-B14F-4D97-AF65-F5344CB8AC3E}">
+        <p14:creationId xmlns:p14="http://schemas.microsoft.com/office/powerpoint/2010/main" val="1159969173"/>
+      </p:ext>
+    </p:extLst>
+  </p:cSld>
+  <p:clrMapOvr>
+    <a:masterClrMapping/>
+  </p:clrMapOvr>
+</p:sld>
+</file>
+
+<file path=ppt/slides/slide7.xml><?xml version="1.0" encoding="utf-8"?>
+<p:sld xmlns:a="http://schemas.openxmlformats.org/drawingml/2006/main" xmlns:r="http://schemas.openxmlformats.org/officeDocument/2006/relationships" xmlns:p="http://schemas.openxmlformats.org/presentationml/2006/main">
+  <p:cSld>
+    <p:spTree>
+      <p:nvGrpSpPr>
+        <p:cNvPr id="1" name=""/>
+        <p:cNvGrpSpPr/>
+        <p:nvPr/>
+      </p:nvGrpSpPr>
+      <p:grpSpPr>
+        <a:xfrm>
+          <a:off x="0" y="0"/>
+          <a:ext cx="0" cy="0"/>
+          <a:chOff x="0" y="0"/>
+          <a:chExt cx="0" cy="0"/>
+        </a:xfrm>
+      </p:grpSpPr>
+      <p:pic>
+        <p:nvPicPr>
           <p:cNvPr id="8" name="Picture 7" descr="Graphical user interface&#10;&#10;Description automatically generated with medium confidence">
             <a:extLst>
               <a:ext uri="{FF2B5EF4-FFF2-40B4-BE49-F238E27FC236}">
@@ -4859,7 +4920,7 @@
 </p:sld>
 </file>
 
-<file path=ppt/slides/slide7.xml><?xml version="1.0" encoding="utf-8"?>
+<file path=ppt/slides/slide8.xml><?xml version="1.0" encoding="utf-8"?>
 <p:sld xmlns:a="http://schemas.openxmlformats.org/drawingml/2006/main" xmlns:r="http://schemas.openxmlformats.org/officeDocument/2006/relationships" xmlns:p="http://schemas.openxmlformats.org/presentationml/2006/main">
   <p:cSld>
     <p:spTree>
@@ -4878,10 +4939,10 @@
       </p:grpSpPr>
       <p:pic>
         <p:nvPicPr>
-          <p:cNvPr id="4" name="Picture 3" descr="Graphical user interface, application&#10;&#10;Description automatically generated">
-            <a:extLst>
-              <a:ext uri="{FF2B5EF4-FFF2-40B4-BE49-F238E27FC236}">
-                <a16:creationId xmlns:a16="http://schemas.microsoft.com/office/drawing/2014/main" id="{586FE96C-B4A2-26A0-87CC-2E40597988B6}"/>
+          <p:cNvPr id="10" name="Picture 9" descr="Graphical user interface, application&#10;&#10;Description automatically generated">
+            <a:extLst>
+              <a:ext uri="{FF2B5EF4-FFF2-40B4-BE49-F238E27FC236}">
+                <a16:creationId xmlns:a16="http://schemas.microsoft.com/office/drawing/2014/main" id="{1F7229D3-E7E8-5D7C-7984-BD888ADE649A}"/>
               </a:ext>
             </a:extLst>
           </p:cNvPr>
@@ -4898,18 +4959,182 @@
         </p:blipFill>
         <p:spPr>
           <a:xfrm>
-            <a:off x="2057400" y="1074705"/>
-            <a:ext cx="7772400" cy="2354295"/>
+            <a:off x="861646" y="11743"/>
+            <a:ext cx="7772400" cy="2305030"/>
           </a:xfrm>
           <a:prstGeom prst="rect">
             <a:avLst/>
           </a:prstGeom>
         </p:spPr>
       </p:pic>
+      <p:pic>
+        <p:nvPicPr>
+          <p:cNvPr id="12" name="Picture 11" descr="Graphical user interface, application, Teams&#10;&#10;Description automatically generated">
+            <a:extLst>
+              <a:ext uri="{FF2B5EF4-FFF2-40B4-BE49-F238E27FC236}">
+                <a16:creationId xmlns:a16="http://schemas.microsoft.com/office/drawing/2014/main" id="{8D6797A4-AC11-000A-F515-676DCEE2EC26}"/>
+              </a:ext>
+            </a:extLst>
+          </p:cNvPr>
+          <p:cNvPicPr>
+            <a:picLocks noChangeAspect="1"/>
+          </p:cNvPicPr>
+          <p:nvPr/>
+        </p:nvPicPr>
+        <p:blipFill>
+          <a:blip r:embed="rId3"/>
+          <a:stretch>
+            <a:fillRect/>
+          </a:stretch>
+        </p:blipFill>
+        <p:spPr>
+          <a:xfrm>
+            <a:off x="861646" y="2305030"/>
+            <a:ext cx="7772400" cy="2829991"/>
+          </a:xfrm>
+          <a:prstGeom prst="rect">
+            <a:avLst/>
+          </a:prstGeom>
+        </p:spPr>
+      </p:pic>
+      <p:pic>
+        <p:nvPicPr>
+          <p:cNvPr id="14" name="Picture 13" descr="Graphical user interface, application, Teams&#10;&#10;Description automatically generated">
+            <a:extLst>
+              <a:ext uri="{FF2B5EF4-FFF2-40B4-BE49-F238E27FC236}">
+                <a16:creationId xmlns:a16="http://schemas.microsoft.com/office/drawing/2014/main" id="{3C84BF1D-0356-67CB-30A4-B035252AFF00}"/>
+              </a:ext>
+            </a:extLst>
+          </p:cNvPr>
+          <p:cNvPicPr>
+            <a:picLocks noChangeAspect="1"/>
+          </p:cNvPicPr>
+          <p:nvPr/>
+        </p:nvPicPr>
+        <p:blipFill>
+          <a:blip r:embed="rId4"/>
+          <a:stretch>
+            <a:fillRect/>
+          </a:stretch>
+        </p:blipFill>
+        <p:spPr>
+          <a:xfrm>
+            <a:off x="861646" y="5135021"/>
+            <a:ext cx="7772400" cy="2881357"/>
+          </a:xfrm>
+          <a:prstGeom prst="rect">
+            <a:avLst/>
+          </a:prstGeom>
+        </p:spPr>
+      </p:pic>
+      <p:sp>
+        <p:nvSpPr>
+          <p:cNvPr id="2" name="Down Arrow 1">
+            <a:extLst>
+              <a:ext uri="{FF2B5EF4-FFF2-40B4-BE49-F238E27FC236}">
+                <a16:creationId xmlns:a16="http://schemas.microsoft.com/office/drawing/2014/main" id="{B0EF0B1D-3730-3452-30BC-D7E215E1460B}"/>
+              </a:ext>
+            </a:extLst>
+          </p:cNvPr>
+          <p:cNvSpPr/>
+          <p:nvPr/>
+        </p:nvSpPr>
+        <p:spPr>
+          <a:xfrm>
+            <a:off x="4202722" y="1969476"/>
+            <a:ext cx="360485" cy="501162"/>
+          </a:xfrm>
+          <a:prstGeom prst="downArrow">
+            <a:avLst/>
+          </a:prstGeom>
+          <a:solidFill>
+            <a:schemeClr val="accent2"/>
+          </a:solidFill>
+          <a:ln>
+            <a:noFill/>
+          </a:ln>
+        </p:spPr>
+        <p:style>
+          <a:lnRef idx="2">
+            <a:schemeClr val="accent1">
+              <a:shade val="50000"/>
+            </a:schemeClr>
+          </a:lnRef>
+          <a:fillRef idx="1">
+            <a:schemeClr val="accent1"/>
+          </a:fillRef>
+          <a:effectRef idx="0">
+            <a:schemeClr val="accent1"/>
+          </a:effectRef>
+          <a:fontRef idx="minor">
+            <a:schemeClr val="lt1"/>
+          </a:fontRef>
+        </p:style>
+        <p:txBody>
+          <a:bodyPr rtlCol="0" anchor="ctr"/>
+          <a:lstStyle/>
+          <a:p>
+            <a:pPr algn="ctr"/>
+            <a:endParaRPr lang="en-US"/>
+          </a:p>
+        </p:txBody>
+      </p:sp>
+      <p:sp>
+        <p:nvSpPr>
+          <p:cNvPr id="3" name="Down Arrow 2">
+            <a:extLst>
+              <a:ext uri="{FF2B5EF4-FFF2-40B4-BE49-F238E27FC236}">
+                <a16:creationId xmlns:a16="http://schemas.microsoft.com/office/drawing/2014/main" id="{BC85E124-B5B7-2300-D1D3-E9E25E1E045E}"/>
+              </a:ext>
+            </a:extLst>
+          </p:cNvPr>
+          <p:cNvSpPr/>
+          <p:nvPr/>
+        </p:nvSpPr>
+        <p:spPr>
+          <a:xfrm>
+            <a:off x="4202721" y="4814100"/>
+            <a:ext cx="360485" cy="501162"/>
+          </a:xfrm>
+          <a:prstGeom prst="downArrow">
+            <a:avLst/>
+          </a:prstGeom>
+          <a:solidFill>
+            <a:schemeClr val="accent2"/>
+          </a:solidFill>
+          <a:ln>
+            <a:noFill/>
+          </a:ln>
+        </p:spPr>
+        <p:style>
+          <a:lnRef idx="2">
+            <a:schemeClr val="accent1">
+              <a:shade val="50000"/>
+            </a:schemeClr>
+          </a:lnRef>
+          <a:fillRef idx="1">
+            <a:schemeClr val="accent1"/>
+          </a:fillRef>
+          <a:effectRef idx="0">
+            <a:schemeClr val="accent1"/>
+          </a:effectRef>
+          <a:fontRef idx="minor">
+            <a:schemeClr val="lt1"/>
+          </a:fontRef>
+        </p:style>
+        <p:txBody>
+          <a:bodyPr rtlCol="0" anchor="ctr"/>
+          <a:lstStyle/>
+          <a:p>
+            <a:pPr algn="ctr"/>
+            <a:endParaRPr lang="en-US"/>
+          </a:p>
+        </p:txBody>
+      </p:sp>
     </p:spTree>
     <p:extLst>
       <p:ext uri="{BB962C8B-B14F-4D97-AF65-F5344CB8AC3E}">
-        <p14:creationId xmlns:p14="http://schemas.microsoft.com/office/powerpoint/2010/main" val="1159969173"/>
+        <p14:creationId xmlns:p14="http://schemas.microsoft.com/office/powerpoint/2010/main" val="2008169934"/>
       </p:ext>
     </p:extLst>
   </p:cSld>
